--- a/data_ir2/ot&env.pptx
+++ b/data_ir2/ot&env.pptx
@@ -245,7 +245,7 @@
             <a:fld id="{F2C886A8-3B34-4F59-9996-921328CDA452}" type="datetimeFigureOut">
               <a:rPr lang="ko-KR" altLang="en-US" smtClean="0"/>
               <a:pPr/>
-              <a:t>2018-03-07</a:t>
+              <a:t>2018-03-08</a:t>
             </a:fld>
             <a:endParaRPr lang="ko-KR" altLang="en-US"/>
           </a:p>
@@ -413,7 +413,7 @@
             <a:fld id="{CB35E60D-F1CA-4663-8A94-573EEC285FF9}" type="datetimeFigureOut">
               <a:rPr lang="ko-KR" altLang="en-US" smtClean="0"/>
               <a:pPr/>
-              <a:t>2018-03-07</a:t>
+              <a:t>2018-03-08</a:t>
             </a:fld>
             <a:endParaRPr lang="ko-KR" altLang="en-US"/>
           </a:p>
@@ -8135,11 +8135,7 @@
             </a:r>
             <a:r>
               <a:rPr lang="ko-KR" altLang="en-US" dirty="0" smtClean="0"/>
-              <a:t>에 </a:t>
-            </a:r>
-            <a:r>
-              <a:rPr lang="ko-KR" altLang="en-US" dirty="0" smtClean="0"/>
-              <a:t>저장한다</a:t>
+              <a:t>에 저장한다</a:t>
             </a:r>
             <a:r>
               <a:rPr lang="en-US" altLang="ko-KR" dirty="0" smtClean="0"/>
@@ -8174,23 +8170,7 @@
             </a:br>
             <a:r>
               <a:rPr lang="en-US" altLang="ko-KR" dirty="0" smtClean="0"/>
-              <a:t>3 * 4 = 12 369 369 (| grep “369</a:t>
-            </a:r>
-            <a:r>
-              <a:rPr lang="en-US" altLang="ko-KR" dirty="0" smtClean="0"/>
-              <a:t>” &gt; </a:t>
-            </a:r>
-            <a:r>
-              <a:rPr lang="en-US" altLang="ko-KR" dirty="0" smtClean="0"/>
-              <a:t>ex1.txt</a:t>
-            </a:r>
-            <a:r>
-              <a:rPr lang="en-US" altLang="ko-KR" dirty="0" smtClean="0"/>
-              <a:t>)</a:t>
-            </a:r>
-            <a:r>
-              <a:rPr lang="en-US" altLang="ko-KR" dirty="0" smtClean="0"/>
-              <a:t/>
+              <a:t>3 * 4 = 12 369 369 (| grep “369” &gt; ex1.txt)</a:t>
             </a:r>
             <a:br>
               <a:rPr lang="en-US" altLang="ko-KR" dirty="0" smtClean="0"/>
@@ -8230,11 +8210,7 @@
             </a:br>
             <a:r>
               <a:rPr lang="en-US" altLang="ko-KR" dirty="0" smtClean="0"/>
-              <a:t>Hint ) Command | tee /</a:t>
-            </a:r>
-            <a:r>
-              <a:rPr lang="en-US" altLang="ko-KR" dirty="0" smtClean="0"/>
-              <a:t>dev/</a:t>
+              <a:t>Hint ) Command | tee /dev/</a:t>
             </a:r>
             <a:r>
               <a:rPr lang="en-US" altLang="ko-KR" dirty="0" err="1" smtClean="0"/>
@@ -8246,11 +8222,7 @@
             </a:r>
             <a:r>
               <a:rPr lang="en-US" altLang="ko-KR" dirty="0" smtClean="0"/>
-              <a:t>| </a:t>
-            </a:r>
-            <a:r>
-              <a:rPr lang="en-US" altLang="ko-KR" dirty="0" smtClean="0"/>
-              <a:t>command</a:t>
+              <a:t>| command</a:t>
             </a:r>
           </a:p>
           <a:p>
@@ -8346,11 +8318,7 @@
             </a:r>
             <a:r>
               <a:rPr lang="ko-KR" altLang="en-US" dirty="0" smtClean="0"/>
-              <a:t>는 윈도우에서 본 수업을 진행하고자 한다면 </a:t>
-            </a:r>
-            <a:r>
-              <a:rPr lang="ko-KR" altLang="en-US" dirty="0" smtClean="0"/>
-              <a:t>참고바람</a:t>
+              <a:t>는 윈도우에서 본 수업을 진행하고자 한다면 참고바람</a:t>
             </a:r>
             <a:endParaRPr lang="en-US" altLang="ko-KR" dirty="0" smtClean="0"/>
           </a:p>
